--- a/doc/CEWIT_2013_Poster.pptx
+++ b/doc/CEWIT_2013_Poster.pptx
@@ -10264,7 +10264,7 @@
         <p:spPr bwMode="auto">
           <a:xfrm>
             <a:off x="20826413" y="3567114"/>
-            <a:ext cx="5919787" cy="12095619"/>
+            <a:ext cx="5919787" cy="12711172"/>
           </a:xfrm>
           <a:prstGeom prst="rect">
             <a:avLst/>
@@ -10362,17 +10362,8 @@
             </a:r>
             <a:r>
               <a:rPr lang="en-US" sz="2000" dirty="0" smtClean="0"/>
-              <a:t> </a:t>
-            </a:r>
-            <a:r>
-              <a:rPr lang="en-US" sz="2000" dirty="0" smtClean="0"/>
-              <a:t>rules are placed in the class for the role they check for </a:t>
-            </a:r>
-            <a:r>
-              <a:rPr lang="en-US" sz="2000" dirty="0" smtClean="0"/>
-              <a:t>activation.</a:t>
-            </a:r>
-            <a:endParaRPr lang="en-US" sz="2000" dirty="0" smtClean="0"/>
+              <a:t> rules are placed in the class for the role they check for activation.</a:t>
+            </a:r>
           </a:p>
           <a:p>
             <a:pPr lvl="1">
@@ -10400,15 +10391,7 @@
             </a:r>
             <a:r>
               <a:rPr lang="en-US" sz="2000" dirty="0" smtClean="0"/>
-              <a:t> </a:t>
-            </a:r>
-            <a:r>
-              <a:rPr lang="en-US" sz="2000" dirty="0" smtClean="0"/>
-              <a:t>rules are placed in the class for the role they check for </a:t>
-            </a:r>
-            <a:r>
-              <a:rPr lang="en-US" sz="2000" dirty="0" smtClean="0"/>
-              <a:t>de-activation.</a:t>
+              <a:t> rules are placed in the class for the role they check for de-activation.</a:t>
             </a:r>
           </a:p>
           <a:p>
@@ -10437,23 +10420,7 @@
             </a:r>
             <a:r>
               <a:rPr lang="en-US" sz="2000" dirty="0" smtClean="0"/>
-              <a:t> </a:t>
-            </a:r>
-            <a:r>
-              <a:rPr lang="en-US" sz="2000" dirty="0" smtClean="0"/>
-              <a:t>rules are placed in the </a:t>
-            </a:r>
-            <a:r>
-              <a:rPr lang="en-US" sz="2000" dirty="0" smtClean="0"/>
-              <a:t>triggering </a:t>
-            </a:r>
-            <a:r>
-              <a:rPr lang="en-US" sz="2000" dirty="0" smtClean="0"/>
-              <a:t>role’s class</a:t>
-            </a:r>
-            <a:r>
-              <a:rPr lang="en-US" sz="2000" dirty="0" smtClean="0"/>
-              <a:t>.</a:t>
+              <a:t> rules are placed in the triggering role’s class.</a:t>
             </a:r>
           </a:p>
           <a:p>
@@ -10479,6 +10446,43 @@
             <a:r>
               <a:rPr lang="en-US" sz="2000" dirty="0" smtClean="0"/>
               <a:t>: Rules beginning with the predicate </a:t>
+            </a:r>
+            <a:r>
+              <a:rPr lang="en-US" sz="2000" dirty="0" smtClean="0">
+                <a:solidFill>
+                  <a:srgbClr val="0070C0"/>
+                </a:solidFill>
+              </a:rPr>
+              <a:t>permits </a:t>
+            </a:r>
+            <a:r>
+              <a:rPr lang="en-US" sz="2000" dirty="0" smtClean="0"/>
+              <a:t>are used to verify whether a user has permission to perform a certain </a:t>
+            </a:r>
+            <a:r>
+              <a:rPr lang="en-US" sz="2000" i="1" dirty="0" smtClean="0"/>
+              <a:t>action</a:t>
+            </a:r>
+            <a:r>
+              <a:rPr lang="en-US" sz="2000" dirty="0" smtClean="0"/>
+              <a:t>.</a:t>
+            </a:r>
+          </a:p>
+          <a:p>
+            <a:pPr lvl="1">
+              <a:buFont typeface="Arial" charset="0"/>
+              <a:buChar char="•"/>
+            </a:pPr>
+            <a:endParaRPr lang="en-US" sz="2000" dirty="0" smtClean="0"/>
+          </a:p>
+          <a:p>
+            <a:pPr lvl="2">
+              <a:buFont typeface="Arial" charset="0"/>
+              <a:buChar char="•"/>
+            </a:pPr>
+            <a:r>
+              <a:rPr lang="en-US" sz="2000" dirty="0" smtClean="0"/>
+              <a:t> </a:t>
             </a:r>
             <a:r>
               <a:rPr lang="en-US" sz="2000" dirty="0" smtClean="0">
@@ -10489,61 +10493,8 @@
               <a:t>permits</a:t>
             </a:r>
             <a:r>
-              <a:rPr lang="en-US" sz="2000" dirty="0" smtClean="0">
-                <a:solidFill>
-                  <a:srgbClr val="0070C0"/>
-                </a:solidFill>
-              </a:rPr>
-              <a:t> </a:t>
-            </a:r>
-            <a:r>
-              <a:rPr lang="en-US" sz="2000" dirty="0" smtClean="0"/>
-              <a:t>are used </a:t>
-            </a:r>
-            <a:r>
-              <a:rPr lang="en-US" sz="2000" dirty="0" smtClean="0"/>
-              <a:t>to verify whether a user has permission to perform a certain </a:t>
-            </a:r>
-            <a:r>
-              <a:rPr lang="en-US" sz="2000" i="1" dirty="0" smtClean="0"/>
-              <a:t>action</a:t>
-            </a:r>
-            <a:r>
-              <a:rPr lang="en-US" sz="2000" dirty="0" smtClean="0"/>
-              <a:t>.</a:t>
-            </a:r>
-          </a:p>
-          <a:p>
-            <a:pPr lvl="1">
-              <a:buFont typeface="Arial" charset="0"/>
-              <a:buChar char="•"/>
-            </a:pPr>
-            <a:endParaRPr lang="en-US" sz="2000" dirty="0" smtClean="0"/>
-          </a:p>
-          <a:p>
-            <a:pPr lvl="2">
-              <a:buFont typeface="Arial" charset="0"/>
-              <a:buChar char="•"/>
-            </a:pPr>
-            <a:r>
-              <a:rPr lang="en-US" sz="2000" dirty="0" smtClean="0"/>
-              <a:t> </a:t>
-            </a:r>
-            <a:r>
-              <a:rPr lang="en-US" sz="2000" dirty="0" smtClean="0">
-                <a:solidFill>
-                  <a:srgbClr val="0070C0"/>
-                </a:solidFill>
-              </a:rPr>
-              <a:t>permits</a:t>
-            </a:r>
-            <a:r>
-              <a:rPr lang="en-US" sz="2000" dirty="0" smtClean="0"/>
-              <a:t> </a:t>
-            </a:r>
-            <a:r>
-              <a:rPr lang="en-US" sz="2000" dirty="0" smtClean="0"/>
-              <a:t>rules check if the </a:t>
+              <a:rPr lang="en-US" sz="2000" dirty="0" smtClean="0"/>
+              <a:t> rules check if the </a:t>
             </a:r>
             <a:r>
               <a:rPr lang="en-US" sz="2000" i="1" dirty="0" smtClean="0"/>
@@ -10573,7 +10524,6 @@
               <a:rPr lang="en-US" sz="2000" dirty="0" smtClean="0"/>
               <a:t>.</a:t>
             </a:r>
-            <a:endParaRPr lang="en-US" sz="2000" dirty="0" smtClean="0"/>
           </a:p>
           <a:p>
             <a:pPr lvl="2">
@@ -10625,15 +10575,7 @@
             </a:br>
             <a:r>
               <a:rPr lang="en-US" sz="2000" dirty="0" smtClean="0"/>
-              <a:t>   rules, and handles them differently.</a:t>
-            </a:r>
-            <a:r>
-              <a:rPr lang="en-US" sz="2000" dirty="0" smtClean="0"/>
-              <a:t> </a:t>
-            </a:r>
-            <a:r>
-              <a:rPr lang="en-US" sz="2000" dirty="0" smtClean="0"/>
-              <a:t>E.g. </a:t>
+              <a:t>   rules, and handles them differently. E.g. </a:t>
             </a:r>
             <a:r>
               <a:rPr lang="en-US" sz="2000" b="1" dirty="0" smtClean="0"/>
@@ -10660,15 +10602,7 @@
             </a:r>
             <a:r>
               <a:rPr lang="en-US" sz="2000" dirty="0" smtClean="0"/>
-              <a:t>(n</a:t>
-            </a:r>
-            <a:r>
-              <a:rPr lang="en-US" sz="2000" dirty="0" smtClean="0"/>
-              <a:t>, a, b</a:t>
-            </a:r>
-            <a:r>
-              <a:rPr lang="en-US" sz="2000" dirty="0" smtClean="0"/>
-              <a:t>)</a:t>
+              <a:t>(n, a, b)</a:t>
             </a:r>
             <a:br>
               <a:rPr lang="en-US" sz="2000" dirty="0" smtClean="0"/>
@@ -10712,8 +10646,30 @@
             </a:br>
             <a:r>
               <a:rPr lang="en-US" sz="2000" dirty="0" smtClean="0"/>
-              <a:t>   all hypotheses are satisfied.</a:t>
-            </a:r>
+              <a:t>   all hypotheses are satisfied</a:t>
+            </a:r>
+            <a:r>
+              <a:rPr lang="en-US" sz="2000" dirty="0" smtClean="0"/>
+              <a:t>.</a:t>
+            </a:r>
+          </a:p>
+          <a:p>
+            <a:pPr lvl="1">
+              <a:buFont typeface="Arial" charset="0"/>
+              <a:buChar char="•"/>
+            </a:pPr>
+            <a:endParaRPr lang="en-US" sz="2000" dirty="0" smtClean="0"/>
+          </a:p>
+          <a:p>
+            <a:pPr lvl="1">
+              <a:buFont typeface="Arial" charset="0"/>
+              <a:buChar char="•"/>
+            </a:pPr>
+            <a:r>
+              <a:rPr lang="en-US" sz="2000" dirty="0" smtClean="0"/>
+              <a:t> Set expressions allow for incrementalization. [Liu08]</a:t>
+            </a:r>
+            <a:endParaRPr lang="en-US" sz="2000" dirty="0" smtClean="0"/>
           </a:p>
           <a:p>
             <a:pPr>
@@ -10817,7 +10773,6 @@
               <a:rPr lang="en-US" sz="2000" dirty="0" smtClean="0"/>
               <a:t>) </a:t>
             </a:r>
-            <a:endParaRPr lang="en-US" sz="2000" dirty="0" smtClean="0"/>
           </a:p>
           <a:p>
             <a:endParaRPr lang="en-US" sz="2000" dirty="0" smtClean="0"/>
@@ -11252,13 +11207,8 @@
             </a:r>
             <a:r>
               <a:rPr lang="en-US" sz="2000" dirty="0" smtClean="0"/>
-              <a:t>)) </a:t>
-            </a:r>
-            <a:r>
-              <a:rPr lang="en-US" sz="2000" dirty="0" smtClean="0"/>
-              <a:t>&lt;-</a:t>
-            </a:r>
-            <a:endParaRPr lang="en-US" sz="2000" dirty="0" smtClean="0"/>
+              <a:t>)) &lt;-</a:t>
+            </a:r>
           </a:p>
         </p:txBody>
       </p:sp>

--- a/doc/CEWIT_2013_Poster.pptx
+++ b/doc/CEWIT_2013_Poster.pptx
@@ -8259,7 +8259,15 @@
                   <a:srgbClr val="F8F8F8"/>
                 </a:solidFill>
               </a:rPr>
-              <a:t>Sample Input Code</a:t>
+              <a:t>Sample </a:t>
+            </a:r>
+            <a:r>
+              <a:rPr lang="en-US" sz="3000" b="1" dirty="0" smtClean="0">
+                <a:solidFill>
+                  <a:srgbClr val="F8F8F8"/>
+                </a:solidFill>
+              </a:rPr>
+              <a:t>Input</a:t>
             </a:r>
             <a:endParaRPr lang="en-US" sz="3000" b="1" dirty="0">
               <a:solidFill>
@@ -8432,7 +8440,7 @@
         <p:spPr>
           <a:xfrm>
             <a:off x="501650" y="9382125"/>
-            <a:ext cx="6003925" cy="6188075"/>
+            <a:ext cx="6003925" cy="6247864"/>
           </a:xfrm>
           <a:prstGeom prst="rect">
             <a:avLst/>
@@ -8476,8 +8484,13 @@
           <a:p>
             <a:r>
               <a:rPr lang="en-US" sz="2000" dirty="0"/>
-              <a:t>        Health Organizations, Registration Authorities</a:t>
-            </a:r>
+              <a:t>        </a:t>
+            </a:r>
+            <a:r>
+              <a:rPr lang="en-US" sz="2000" dirty="0" smtClean="0"/>
+              <a:t>Hospital (health organizations) and Registration Authority.</a:t>
+            </a:r>
+            <a:endParaRPr lang="en-US" sz="2000" dirty="0"/>
           </a:p>
           <a:p>
             <a:pPr lvl="1"/>
@@ -8647,8 +8660,13 @@
             <a:pPr lvl="1"/>
             <a:r>
               <a:rPr lang="en-US" sz="2000" dirty="0"/>
-              <a:t>375 policy rules, 81 pages technical report</a:t>
-            </a:r>
+              <a:t>375 policy rules, 81 pages technical </a:t>
+            </a:r>
+            <a:r>
+              <a:rPr lang="en-US" sz="2000" dirty="0" smtClean="0"/>
+              <a:t>report.</a:t>
+            </a:r>
+            <a:endParaRPr lang="en-US" sz="2000" dirty="0"/>
           </a:p>
           <a:p>
             <a:endParaRPr lang="en-US" sz="2000" dirty="0"/>
@@ -8697,9 +8715,10 @@
               <a:t>deductive database </a:t>
             </a:r>
             <a:r>
-              <a:rPr lang="en-US" sz="2000" dirty="0"/>
-              <a:t>language</a:t>
-            </a:r>
+              <a:rPr lang="en-US" sz="2000" dirty="0" smtClean="0"/>
+              <a:t>language.</a:t>
+            </a:r>
+            <a:endParaRPr lang="en-US" sz="2000" dirty="0"/>
           </a:p>
           <a:p>
             <a:pPr lvl="1"/>
@@ -8712,8 +8731,13 @@
             </a:br>
             <a:r>
               <a:rPr lang="en-US" sz="2000" dirty="0"/>
-              <a:t>Extended with constraints and external functions</a:t>
-            </a:r>
+              <a:t>Extended with constraints and external </a:t>
+            </a:r>
+            <a:r>
+              <a:rPr lang="en-US" sz="2000" dirty="0" smtClean="0"/>
+              <a:t>functions.</a:t>
+            </a:r>
+            <a:endParaRPr lang="en-US" sz="2000" dirty="0"/>
           </a:p>
         </p:txBody>
       </p:sp>
@@ -9307,7 +9331,7 @@
         <p:spPr bwMode="auto">
           <a:xfrm>
             <a:off x="7353300" y="8056562"/>
-            <a:ext cx="5953125" cy="2246769"/>
+            <a:ext cx="5953125" cy="2554545"/>
           </a:xfrm>
           <a:prstGeom prst="rect">
             <a:avLst/>
@@ -9332,14 +9356,62 @@
             </a:pPr>
             <a:r>
               <a:rPr lang="en-US" sz="2000" dirty="0" smtClean="0"/>
-              <a:t> No real organization of the policy rules.</a:t>
+              <a:t> </a:t>
+            </a:r>
+            <a:r>
+              <a:rPr lang="en-US" sz="2000" dirty="0" smtClean="0"/>
+              <a:t> No </a:t>
+            </a:r>
+            <a:r>
+              <a:rPr lang="en-US" sz="2000" dirty="0" smtClean="0"/>
+              <a:t>real </a:t>
+            </a:r>
+            <a:r>
+              <a:rPr lang="en-US" sz="2000" dirty="0" smtClean="0"/>
+              <a:t>organization exists in Becker’s NHS specification.</a:t>
+            </a:r>
+            <a:r>
+              <a:rPr lang="en-US" sz="2000" dirty="0" smtClean="0"/>
+              <a:t/>
             </a:r>
             <a:br>
               <a:rPr lang="en-US" sz="2000" dirty="0" smtClean="0"/>
             </a:br>
             <a:r>
               <a:rPr lang="en-US" sz="2000" dirty="0" smtClean="0"/>
-              <a:t>   The policy is written as a set of flat rules.</a:t>
+              <a:t>  </a:t>
+            </a:r>
+            <a:r>
+              <a:rPr lang="en-US" sz="2000" dirty="0" smtClean="0"/>
+              <a:t>  </a:t>
+            </a:r>
+            <a:r>
+              <a:rPr lang="en-US" sz="2000" dirty="0" smtClean="0"/>
+              <a:t>Each module </a:t>
+            </a:r>
+            <a:r>
+              <a:rPr lang="en-US" sz="2000" dirty="0" smtClean="0"/>
+              <a:t>is </a:t>
+            </a:r>
+            <a:r>
+              <a:rPr lang="en-US" sz="2000" dirty="0" smtClean="0"/>
+              <a:t>written </a:t>
+            </a:r>
+            <a:r>
+              <a:rPr lang="en-US" sz="2000" dirty="0" smtClean="0"/>
+              <a:t>as </a:t>
+            </a:r>
+            <a:r>
+              <a:rPr lang="en-US" sz="2000" dirty="0" smtClean="0"/>
+              <a:t>a set of </a:t>
+            </a:r>
+            <a:r>
+              <a:rPr lang="en-US" sz="2000" dirty="0" smtClean="0"/>
+              <a:t>complex flat </a:t>
+            </a:r>
+            <a:r>
+              <a:rPr lang="en-US" sz="2000" dirty="0" smtClean="0"/>
+              <a:t>rules.</a:t>
             </a:r>
           </a:p>
           <a:p>
@@ -9352,31 +9424,83 @@
             </a:pPr>
             <a:r>
               <a:rPr lang="en-US" sz="2000" dirty="0" smtClean="0"/>
-              <a:t> All updates have to be encoded as logic rules.</a:t>
-            </a:r>
+              <a:t> Updates need to be encoded outside </a:t>
+            </a:r>
+            <a:r>
+              <a:rPr lang="en-US" sz="2000" dirty="0" smtClean="0"/>
+              <a:t>the logic </a:t>
+            </a:r>
+            <a:r>
+              <a:rPr lang="en-US" sz="2000" dirty="0" smtClean="0"/>
+              <a:t>framework,</a:t>
+            </a:r>
+            <a:br>
+              <a:rPr lang="en-US" sz="2000" dirty="0" smtClean="0"/>
+            </a:br>
+            <a:r>
+              <a:rPr lang="en-US" sz="2000" dirty="0" smtClean="0"/>
+              <a:t>   as Cassandra </a:t>
+            </a:r>
+            <a:r>
+              <a:rPr lang="en-US" sz="2000" dirty="0" smtClean="0"/>
+              <a:t>does not support explicit update </a:t>
+            </a:r>
+            <a:r>
+              <a:rPr lang="en-US" sz="2000" dirty="0" smtClean="0"/>
+              <a:t>operations.</a:t>
+            </a:r>
+            <a:br>
+              <a:rPr lang="en-US" sz="2000" dirty="0" smtClean="0"/>
+            </a:br>
+            <a:endParaRPr lang="en-US" sz="2000" dirty="0" smtClean="0"/>
           </a:p>
           <a:p>
             <a:pPr>
               <a:buFont typeface="Arial" charset="0"/>
               <a:buChar char="•"/>
             </a:pPr>
-            <a:endParaRPr lang="en-US" sz="2000" dirty="0" smtClean="0"/>
-          </a:p>
-          <a:p>
-            <a:pPr>
-              <a:buFont typeface="Arial" charset="0"/>
-              <a:buChar char="•"/>
-            </a:pPr>
-            <a:r>
-              <a:rPr lang="en-US" sz="2000" dirty="0" smtClean="0"/>
-              <a:t> Cassandra is custom domain-specific language, hence </a:t>
+            <a:r>
+              <a:rPr lang="en-US" sz="2000" dirty="0" smtClean="0"/>
+              <a:t> Cassandra </a:t>
+            </a:r>
+            <a:r>
+              <a:rPr lang="en-US" sz="2000" dirty="0" smtClean="0"/>
+              <a:t>is a </a:t>
+            </a:r>
+            <a:r>
+              <a:rPr lang="en-US" sz="2000" dirty="0" smtClean="0"/>
+              <a:t>custom domain-specific language, </a:t>
+            </a:r>
+            <a:r>
+              <a:rPr lang="en-US" sz="2000" dirty="0" smtClean="0"/>
+              <a:t>thus </a:t>
+            </a:r>
+            <a:r>
+              <a:rPr lang="en-US" sz="2000" dirty="0" smtClean="0"/>
+              <a:t/>
             </a:r>
             <a:br>
               <a:rPr lang="en-US" sz="2000" dirty="0" smtClean="0"/>
             </a:br>
             <a:r>
               <a:rPr lang="en-US" sz="2000" dirty="0" smtClean="0"/>
-              <a:t>   making interactions with other languages harder.</a:t>
+              <a:t>   making </a:t>
+            </a:r>
+            <a:r>
+              <a:rPr lang="en-US" sz="2000" dirty="0" smtClean="0"/>
+              <a:t>interaction </a:t>
+            </a:r>
+            <a:r>
+              <a:rPr lang="en-US" sz="2000" dirty="0" smtClean="0"/>
+              <a:t>with </a:t>
+            </a:r>
+            <a:r>
+              <a:rPr lang="en-US" sz="2000" dirty="0" smtClean="0"/>
+              <a:t>mainstream languages harder</a:t>
+            </a:r>
+            <a:r>
+              <a:rPr lang="en-US" sz="2000" dirty="0" smtClean="0"/>
+              <a:t>.</a:t>
             </a:r>
           </a:p>
         </p:txBody>
@@ -9391,7 +9515,7 @@
         </p:nvSpPr>
         <p:spPr bwMode="auto">
           <a:xfrm>
-            <a:off x="7186613" y="10610195"/>
+            <a:off x="7186613" y="10890507"/>
             <a:ext cx="6234112" cy="558800"/>
           </a:xfrm>
           <a:prstGeom prst="rect">
@@ -9424,7 +9548,7 @@
                   <a:srgbClr val="F8F8F8"/>
                 </a:solidFill>
               </a:rPr>
-              <a:t>Improvements</a:t>
+              <a:t>Cassandra to Python Translator</a:t>
             </a:r>
             <a:endParaRPr lang="en-US" sz="3200" b="1" dirty="0">
               <a:solidFill>
@@ -9444,7 +9568,7 @@
         </p:nvSpPr>
         <p:spPr bwMode="auto">
           <a:xfrm>
-            <a:off x="7353300" y="11344552"/>
+            <a:off x="7353300" y="11536561"/>
             <a:ext cx="5953125" cy="4401205"/>
           </a:xfrm>
           <a:prstGeom prst="rect">
@@ -9470,6 +9594,10 @@
             </a:pPr>
             <a:r>
               <a:rPr lang="en-US" sz="2000" dirty="0" smtClean="0"/>
+              <a:t> </a:t>
+            </a:r>
+            <a:r>
+              <a:rPr lang="en-US" sz="2000" dirty="0" smtClean="0"/>
               <a:t> An </a:t>
             </a:r>
             <a:r>
@@ -9519,14 +9647,22 @@
             </a:pPr>
             <a:r>
               <a:rPr lang="en-US" sz="2000" dirty="0" smtClean="0"/>
-              <a:t> Related rules are collated together into single Python </a:t>
+              <a:t> Related rules are collated together into </a:t>
+            </a:r>
+            <a:r>
+              <a:rPr lang="en-US" sz="2000" dirty="0" smtClean="0"/>
+              <a:t>Python classes.</a:t>
             </a:r>
             <a:br>
               <a:rPr lang="en-US" sz="2000" dirty="0" smtClean="0"/>
             </a:br>
             <a:r>
               <a:rPr lang="en-US" sz="2000" dirty="0" smtClean="0"/>
-              <a:t>   classes. For example, all rules operating on </a:t>
+              <a:t>  For example</a:t>
+            </a:r>
+            <a:r>
+              <a:rPr lang="en-US" sz="2000" dirty="0" smtClean="0"/>
+              <a:t>, all rules operating on </a:t>
             </a:r>
             <a:r>
               <a:rPr lang="en-US" sz="2000" dirty="0" smtClean="0">
@@ -9541,12 +9677,48 @@
               <a:rPr lang="en-US" sz="2000" dirty="0" smtClean="0"/>
               <a:t>, </a:t>
             </a:r>
+            <a:r>
+              <a:rPr lang="en-US" sz="2000" dirty="0" smtClean="0"/>
+              <a:t>get </a:t>
+            </a:r>
+            <a:r>
+              <a:rPr lang="en-US" sz="2000" dirty="0" smtClean="0"/>
+              <a:t/>
+            </a:r>
             <a:br>
               <a:rPr lang="en-US" sz="2000" dirty="0" smtClean="0"/>
             </a:br>
             <a:r>
               <a:rPr lang="en-US" sz="2000" dirty="0" smtClean="0"/>
-              <a:t>   will be placed in the same class.</a:t>
+              <a:t>  </a:t>
+            </a:r>
+            <a:r>
+              <a:rPr lang="en-US" sz="2000" dirty="0" smtClean="0"/>
+              <a:t>placed </a:t>
+            </a:r>
+            <a:r>
+              <a:rPr lang="en-US" sz="2000" dirty="0" smtClean="0"/>
+              <a:t>in </a:t>
+            </a:r>
+            <a:r>
+              <a:rPr lang="en-US" sz="2000" dirty="0" smtClean="0"/>
+              <a:t>a “</a:t>
+            </a:r>
+            <a:r>
+              <a:rPr lang="en-US" sz="2000" b="1" dirty="0" err="1" smtClean="0">
+                <a:solidFill>
+                  <a:srgbClr val="0070C0"/>
+                </a:solidFill>
+              </a:rPr>
+              <a:t>Spine_clinician</a:t>
+            </a:r>
+            <a:r>
+              <a:rPr lang="en-US" sz="2000" dirty="0" smtClean="0"/>
+              <a:t>” class</a:t>
+            </a:r>
+            <a:r>
+              <a:rPr lang="en-US" sz="2000" dirty="0" smtClean="0"/>
+              <a:t>.</a:t>
             </a:r>
           </a:p>
           <a:p>
@@ -9554,7 +9726,7 @@
               <a:buFont typeface="Arial" pitchFamily="34" charset="0"/>
               <a:buChar char="•"/>
             </a:pPr>
-            <a:endParaRPr lang="en-US" sz="2000" dirty="0" smtClean="0"/>
+            <a:endParaRPr lang="en-US" dirty="0" smtClean="0"/>
           </a:p>
           <a:p>
             <a:pPr>
@@ -9565,24 +9737,75 @@
               <a:rPr lang="en-US" sz="2000" dirty="0" smtClean="0"/>
               <a:t>  Horn clauses are transformed into Python set </a:t>
             </a:r>
+            <a:r>
+              <a:rPr lang="en-US" sz="2000" dirty="0" smtClean="0"/>
+              <a:t> expressions, </a:t>
+            </a:r>
             <a:br>
               <a:rPr lang="en-US" sz="2000" dirty="0" smtClean="0"/>
             </a:br>
             <a:r>
               <a:rPr lang="en-US" sz="2000" dirty="0" smtClean="0"/>
-              <a:t>    expressions, wherein the set is empty unless </a:t>
-            </a:r>
-            <a:br>
-              <a:rPr lang="en-US" sz="2000" dirty="0" smtClean="0"/>
-            </a:br>
-            <a:r>
-              <a:rPr lang="en-US" sz="2000" dirty="0" smtClean="0"/>
-              <a:t>    all hypotheses are satisfied.</a:t>
-            </a:r>
-            <a:br>
-              <a:rPr lang="en-US" sz="2000" dirty="0" smtClean="0"/>
-            </a:br>
-            <a:endParaRPr lang="en-US" sz="2000" dirty="0" smtClean="0"/>
+              <a:t>    where </a:t>
+            </a:r>
+            <a:r>
+              <a:rPr lang="en-US" sz="2000" dirty="0" smtClean="0"/>
+              <a:t>the set is empty unless </a:t>
+            </a:r>
+            <a:r>
+              <a:rPr lang="en-US" sz="2000" dirty="0" smtClean="0"/>
+              <a:t>all </a:t>
+            </a:r>
+            <a:r>
+              <a:rPr lang="en-US" sz="2000" dirty="0" smtClean="0"/>
+              <a:t>hypotheses are satisfied</a:t>
+            </a:r>
+            <a:r>
+              <a:rPr lang="en-US" sz="2000" dirty="0" smtClean="0"/>
+              <a:t>.</a:t>
+            </a:r>
+          </a:p>
+          <a:p>
+            <a:pPr>
+              <a:buFont typeface="Arial" pitchFamily="34" charset="0"/>
+              <a:buChar char="•"/>
+            </a:pPr>
+            <a:endParaRPr lang="en-US" dirty="0" smtClean="0"/>
+          </a:p>
+          <a:p>
+            <a:pPr>
+              <a:buFont typeface="Arial" pitchFamily="34" charset="0"/>
+              <a:buChar char="•"/>
+            </a:pPr>
+            <a:r>
+              <a:rPr lang="en-US" sz="2000" dirty="0" smtClean="0"/>
+              <a:t> </a:t>
+            </a:r>
+            <a:r>
+              <a:rPr lang="en-US" sz="2000" dirty="0" smtClean="0"/>
+              <a:t>Source: </a:t>
+            </a:r>
+            <a:r>
+              <a:rPr lang="en-US" sz="1900" dirty="0" smtClean="0">
+                <a:solidFill>
+                  <a:srgbClr val="7030A0"/>
+                </a:solidFill>
+              </a:rPr>
+              <a:t>https</a:t>
+            </a:r>
+            <a:r>
+              <a:rPr lang="en-US" sz="1900" dirty="0" smtClean="0">
+                <a:solidFill>
+                  <a:srgbClr val="7030A0"/>
+                </a:solidFill>
+              </a:rPr>
+              <a:t>://github.com/arjungmenon/Cassandra-to-Python</a:t>
+            </a:r>
+            <a:endParaRPr lang="en-US" sz="1900" dirty="0" smtClean="0">
+              <a:solidFill>
+                <a:srgbClr val="7030A0"/>
+              </a:solidFill>
+            </a:endParaRPr>
           </a:p>
         </p:txBody>
       </p:sp>
@@ -9635,7 +9858,11 @@
               <a:t> </a:t>
             </a:r>
             <a:r>
-              <a:rPr lang="en-US" sz="2000" b="1" dirty="0" err="1" smtClean="0"/>
+              <a:rPr lang="en-US" sz="2000" b="1" dirty="0" err="1" smtClean="0">
+                <a:solidFill>
+                  <a:srgbClr val="0070C0"/>
+                </a:solidFill>
+              </a:rPr>
               <a:t>Spine_clinician</a:t>
             </a:r>
             <a:r>
@@ -9688,7 +9915,19 @@
             </a:r>
             <a:r>
               <a:rPr lang="en-US" sz="2000" dirty="0" smtClean="0"/>
-              <a:t>__init__('Spine-clinician', </a:t>
+              <a:t>__init__(</a:t>
+            </a:r>
+            <a:r>
+              <a:rPr lang="en-US" sz="2000" dirty="0" smtClean="0">
+                <a:solidFill>
+                  <a:srgbClr val="00B050"/>
+                </a:solidFill>
+              </a:rPr>
+              <a:t>'Spine-clinician</a:t>
+            </a:r>
+            <a:r>
+              <a:rPr lang="en-US" sz="2000" dirty="0" smtClean="0"/>
+              <a:t>', </a:t>
             </a:r>
           </a:p>
           <a:p>
@@ -9705,12 +9944,28 @@
               <a:t> = </a:t>
             </a:r>
             <a:r>
-              <a:rPr lang="en-US" sz="2000" dirty="0" err="1" smtClean="0"/>
+              <a:rPr lang="en-US" sz="2000" dirty="0" err="1" smtClean="0">
+                <a:solidFill>
+                  <a:srgbClr val="C00000"/>
+                </a:solidFill>
+              </a:rPr>
               <a:t>ra</a:t>
             </a:r>
             <a:r>
               <a:rPr lang="en-US" sz="2000" dirty="0" smtClean="0"/>
-              <a:t>, org = org, </a:t>
+              <a:t>, org = </a:t>
+            </a:r>
+            <a:r>
+              <a:rPr lang="en-US" sz="2000" dirty="0" smtClean="0">
+                <a:solidFill>
+                  <a:srgbClr val="C00000"/>
+                </a:solidFill>
+              </a:rPr>
+              <a:t>org</a:t>
+            </a:r>
+            <a:r>
+              <a:rPr lang="en-US" sz="2000" dirty="0" smtClean="0"/>
+              <a:t>, </a:t>
             </a:r>
             <a:r>
               <a:rPr lang="en-US" sz="2000" dirty="0" err="1" smtClean="0"/>
@@ -9721,7 +9976,11 @@
               <a:t> = </a:t>
             </a:r>
             <a:r>
-              <a:rPr lang="en-US" sz="2000" dirty="0" err="1" smtClean="0"/>
+              <a:rPr lang="en-US" sz="2000" dirty="0" err="1" smtClean="0">
+                <a:solidFill>
+                  <a:srgbClr val="C00000"/>
+                </a:solidFill>
+              </a:rPr>
               <a:t>spcty</a:t>
             </a:r>
             <a:r>
@@ -9742,7 +10001,11 @@
               <a:t> </a:t>
             </a:r>
             <a:r>
-              <a:rPr lang="en-US" sz="2000" b="1" dirty="0" err="1" smtClean="0"/>
+              <a:rPr lang="en-US" sz="2000" b="1" dirty="0" err="1" smtClean="0">
+                <a:solidFill>
+                  <a:srgbClr val="0070C0"/>
+                </a:solidFill>
+              </a:rPr>
               <a:t>canActivate</a:t>
             </a:r>
             <a:r>
@@ -9848,7 +10111,11 @@
               <a:t> </a:t>
             </a:r>
             <a:r>
-              <a:rPr lang="en-US" sz="2000" b="1" dirty="0" smtClean="0"/>
+              <a:rPr lang="en-US" sz="2000" b="1" dirty="0" smtClean="0">
+                <a:solidFill>
+                  <a:srgbClr val="0070C0"/>
+                </a:solidFill>
+              </a:rPr>
               <a:t>canActivate_1</a:t>
             </a:r>
             <a:r>
@@ -9908,7 +10175,11 @@
               <a:t> </a:t>
             </a:r>
             <a:r>
-              <a:rPr lang="en-US" sz="2000" dirty="0" err="1" smtClean="0"/>
+              <a:rPr lang="en-US" sz="2000" dirty="0" err="1" smtClean="0">
+                <a:solidFill>
+                  <a:srgbClr val="0070C0"/>
+                </a:solidFill>
+              </a:rPr>
               <a:t>hasActivated</a:t>
             </a:r>
             <a:r>
@@ -9923,7 +10194,31 @@
           <a:p>
             <a:r>
               <a:rPr lang="en-US" sz="2000" dirty="0" smtClean="0"/>
-              <a:t>            role.name == "NHS-clinician-cert" </a:t>
+              <a:t>            role.</a:t>
+            </a:r>
+            <a:r>
+              <a:rPr lang="en-US" sz="2000" dirty="0" smtClean="0">
+                <a:solidFill>
+                  <a:srgbClr val="C00000"/>
+                </a:solidFill>
+              </a:rPr>
+              <a:t>name</a:t>
+            </a:r>
+            <a:r>
+              <a:rPr lang="en-US" sz="2000" dirty="0" smtClean="0"/>
+              <a:t> == "</a:t>
+            </a:r>
+            <a:r>
+              <a:rPr lang="en-US" sz="2000" dirty="0" smtClean="0">
+                <a:solidFill>
+                  <a:srgbClr val="00B050"/>
+                </a:solidFill>
+              </a:rPr>
+              <a:t>NHS-clinician-cert</a:t>
+            </a:r>
+            <a:r>
+              <a:rPr lang="en-US" sz="2000" dirty="0" smtClean="0"/>
+              <a:t>" </a:t>
             </a:r>
             <a:r>
               <a:rPr lang="en-US" sz="2000" b="1" dirty="0" smtClean="0"/>
@@ -9937,7 +10232,15 @@
             </a:r>
             <a:r>
               <a:rPr lang="en-US" sz="2000" dirty="0" err="1" smtClean="0"/>
-              <a:t>role.spcty</a:t>
+              <a:t>role.</a:t>
+            </a:r>
+            <a:r>
+              <a:rPr lang="en-US" sz="2000" dirty="0" err="1" smtClean="0">
+                <a:solidFill>
+                  <a:srgbClr val="C00000"/>
+                </a:solidFill>
+              </a:rPr>
+              <a:t>spcty</a:t>
             </a:r>
             <a:r>
               <a:rPr lang="en-US" sz="2000" dirty="0" smtClean="0"/>
@@ -9945,7 +10248,15 @@
             </a:r>
             <a:r>
               <a:rPr lang="en-US" sz="2000" dirty="0" err="1" smtClean="0"/>
-              <a:t>self.spcty</a:t>
+              <a:t>self.</a:t>
+            </a:r>
+            <a:r>
+              <a:rPr lang="en-US" sz="2000" dirty="0" err="1" smtClean="0">
+                <a:solidFill>
+                  <a:srgbClr val="C00000"/>
+                </a:solidFill>
+              </a:rPr>
+              <a:t>spcty</a:t>
             </a:r>
             <a:r>
               <a:rPr lang="en-US" sz="2000" dirty="0" smtClean="0"/>
@@ -9959,7 +10270,31 @@
           <a:p>
             <a:r>
               <a:rPr lang="en-US" sz="2000" dirty="0" smtClean="0"/>
-              <a:t>            role.org == self.org </a:t>
+              <a:t>            role.</a:t>
+            </a:r>
+            <a:r>
+              <a:rPr lang="en-US" sz="2000" dirty="0" smtClean="0">
+                <a:solidFill>
+                  <a:srgbClr val="C00000"/>
+                </a:solidFill>
+              </a:rPr>
+              <a:t>org</a:t>
+            </a:r>
+            <a:r>
+              <a:rPr lang="en-US" sz="2000" dirty="0" smtClean="0"/>
+              <a:t> == self.</a:t>
+            </a:r>
+            <a:r>
+              <a:rPr lang="en-US" sz="2000" dirty="0" smtClean="0">
+                <a:solidFill>
+                  <a:srgbClr val="C00000"/>
+                </a:solidFill>
+              </a:rPr>
+              <a:t>org</a:t>
+            </a:r>
+            <a:r>
+              <a:rPr lang="en-US" sz="2000" dirty="0" smtClean="0"/>
+              <a:t> </a:t>
             </a:r>
             <a:r>
               <a:rPr lang="en-US" sz="2000" b="1" dirty="0" smtClean="0"/>
@@ -9969,7 +10304,251 @@
           <a:p>
             <a:r>
               <a:rPr lang="en-US" sz="2000" dirty="0" smtClean="0"/>
-              <a:t>            role.cli == </a:t>
+              <a:t>            role.</a:t>
+            </a:r>
+            <a:r>
+              <a:rPr lang="en-US" sz="2000" dirty="0" smtClean="0">
+                <a:solidFill>
+                  <a:srgbClr val="C00000"/>
+                </a:solidFill>
+              </a:rPr>
+              <a:t>cli</a:t>
+            </a:r>
+            <a:r>
+              <a:rPr lang="en-US" sz="2000" dirty="0" smtClean="0"/>
+              <a:t> == </a:t>
+            </a:r>
+            <a:r>
+              <a:rPr lang="en-US" sz="2000" dirty="0" err="1" smtClean="0">
+                <a:solidFill>
+                  <a:srgbClr val="C00000"/>
+                </a:solidFill>
+              </a:rPr>
+              <a:t>cli</a:t>
+            </a:r>
+            <a:r>
+              <a:rPr lang="en-US" sz="2000" dirty="0" smtClean="0"/>
+              <a:t> </a:t>
+            </a:r>
+            <a:r>
+              <a:rPr lang="en-US" sz="2000" b="1" dirty="0" smtClean="0"/>
+              <a:t>and</a:t>
+            </a:r>
+          </a:p>
+          <a:p>
+            <a:r>
+              <a:rPr lang="en-US" sz="2000" dirty="0" smtClean="0"/>
+              <a:t>            </a:t>
+            </a:r>
+            <a:r>
+              <a:rPr lang="en-US" sz="2000" dirty="0" err="1" smtClean="0"/>
+              <a:t>canActivate</a:t>
+            </a:r>
+            <a:r>
+              <a:rPr lang="en-US" sz="2000" dirty="0" smtClean="0"/>
+              <a:t>(</a:t>
+            </a:r>
+            <a:r>
+              <a:rPr lang="en-US" sz="2000" dirty="0" err="1" smtClean="0"/>
+              <a:t>self</a:t>
+            </a:r>
+            <a:r>
+              <a:rPr lang="en-US" sz="2000" b="1" dirty="0" err="1" smtClean="0"/>
+              <a:t>.</a:t>
+            </a:r>
+            <a:r>
+              <a:rPr lang="en-US" sz="2000" dirty="0" err="1" smtClean="0">
+                <a:solidFill>
+                  <a:srgbClr val="C00000"/>
+                </a:solidFill>
+              </a:rPr>
+              <a:t>ra</a:t>
+            </a:r>
+            <a:r>
+              <a:rPr lang="en-US" sz="2000" dirty="0" smtClean="0"/>
+              <a:t>, </a:t>
+            </a:r>
+            <a:r>
+              <a:rPr lang="en-US" sz="2000" dirty="0" err="1" smtClean="0">
+                <a:solidFill>
+                  <a:srgbClr val="00B050"/>
+                </a:solidFill>
+              </a:rPr>
+              <a:t>Registration_authority</a:t>
+            </a:r>
+            <a:r>
+              <a:rPr lang="en-US" sz="2000" dirty="0" smtClean="0"/>
+              <a:t>()) </a:t>
+            </a:r>
+            <a:r>
+              <a:rPr lang="en-US" sz="2000" b="1" dirty="0" smtClean="0"/>
+              <a:t>and</a:t>
+            </a:r>
+          </a:p>
+          <a:p>
+            <a:r>
+              <a:rPr lang="en-US" sz="2000" dirty="0" smtClean="0"/>
+              <a:t>            </a:t>
+            </a:r>
+            <a:r>
+              <a:rPr lang="en-US" sz="2000" dirty="0" err="1" smtClean="0">
+                <a:solidFill>
+                  <a:srgbClr val="7030A0"/>
+                </a:solidFill>
+              </a:rPr>
+              <a:t>Current_time</a:t>
+            </a:r>
+            <a:r>
+              <a:rPr lang="en-US" sz="2000" dirty="0" smtClean="0"/>
+              <a:t>() </a:t>
+            </a:r>
+            <a:r>
+              <a:rPr lang="en-US" sz="2000" b="1" dirty="0" smtClean="0"/>
+              <a:t>in</a:t>
+            </a:r>
+            <a:r>
+              <a:rPr lang="en-US" sz="2000" dirty="0" smtClean="0"/>
+              <a:t> </a:t>
+            </a:r>
+            <a:r>
+              <a:rPr lang="en-US" sz="2000" dirty="0" err="1" smtClean="0"/>
+              <a:t>vrange</a:t>
+            </a:r>
+            <a:r>
+              <a:rPr lang="en-US" sz="2000" dirty="0" smtClean="0"/>
+              <a:t>(</a:t>
+            </a:r>
+            <a:r>
+              <a:rPr lang="en-US" sz="2000" dirty="0" err="1" smtClean="0"/>
+              <a:t>role</a:t>
+            </a:r>
+            <a:r>
+              <a:rPr lang="en-US" sz="2000" b="1" dirty="0" err="1" smtClean="0"/>
+              <a:t>.</a:t>
+            </a:r>
+            <a:r>
+              <a:rPr lang="en-US" sz="2000" dirty="0" err="1" smtClean="0">
+                <a:solidFill>
+                  <a:srgbClr val="C00000"/>
+                </a:solidFill>
+              </a:rPr>
+              <a:t>start</a:t>
+            </a:r>
+            <a:r>
+              <a:rPr lang="en-US" sz="2000" dirty="0" smtClean="0"/>
+              <a:t>, </a:t>
+            </a:r>
+            <a:r>
+              <a:rPr lang="en-US" sz="2000" dirty="0" err="1" smtClean="0"/>
+              <a:t>role</a:t>
+            </a:r>
+            <a:r>
+              <a:rPr lang="en-US" sz="2000" b="1" dirty="0" err="1" smtClean="0"/>
+              <a:t>.</a:t>
+            </a:r>
+            <a:r>
+              <a:rPr lang="en-US" sz="2000" dirty="0" err="1" smtClean="0">
+                <a:solidFill>
+                  <a:srgbClr val="C00000"/>
+                </a:solidFill>
+              </a:rPr>
+              <a:t>end</a:t>
+            </a:r>
+            <a:r>
+              <a:rPr lang="en-US" sz="2000" dirty="0" smtClean="0"/>
+              <a:t>) </a:t>
+            </a:r>
+            <a:r>
+              <a:rPr lang="en-US" sz="2000" b="1" dirty="0" smtClean="0"/>
+              <a:t>and</a:t>
+            </a:r>
+          </a:p>
+          <a:p>
+            <a:r>
+              <a:rPr lang="en-US" sz="2000" dirty="0" smtClean="0"/>
+              <a:t>            </a:t>
+            </a:r>
+            <a:r>
+              <a:rPr lang="en-US" sz="2000" dirty="0" err="1" smtClean="0">
+                <a:solidFill>
+                  <a:srgbClr val="0070C0"/>
+                </a:solidFill>
+              </a:rPr>
+              <a:t>no_main_role_active</a:t>
+            </a:r>
+            <a:r>
+              <a:rPr lang="en-US" sz="2000" dirty="0" smtClean="0"/>
+              <a:t>(role</a:t>
+            </a:r>
+            <a:r>
+              <a:rPr lang="en-US" sz="2000" b="1" dirty="0" smtClean="0"/>
+              <a:t>.</a:t>
+            </a:r>
+            <a:r>
+              <a:rPr lang="en-US" sz="2000" dirty="0" smtClean="0">
+                <a:solidFill>
+                  <a:srgbClr val="C00000"/>
+                </a:solidFill>
+              </a:rPr>
+              <a:t>cli</a:t>
+            </a:r>
+            <a:r>
+              <a:rPr lang="en-US" sz="2000" dirty="0" smtClean="0"/>
+              <a:t>)</a:t>
+            </a:r>
+          </a:p>
+          <a:p>
+            <a:r>
+              <a:rPr lang="en-US" sz="2000" dirty="0" smtClean="0"/>
+              <a:t>        }</a:t>
+            </a:r>
+          </a:p>
+          <a:p>
+            <a:r>
+              <a:rPr lang="en-US" sz="2000" dirty="0" smtClean="0"/>
+              <a:t>    …</a:t>
+            </a:r>
+          </a:p>
+          <a:p>
+            <a:r>
+              <a:rPr lang="en-US" sz="2000" b="1" dirty="0" smtClean="0"/>
+              <a:t>    def</a:t>
+            </a:r>
+            <a:r>
+              <a:rPr lang="en-US" sz="2000" dirty="0" smtClean="0"/>
+              <a:t> </a:t>
+            </a:r>
+            <a:r>
+              <a:rPr lang="en-US" sz="2000" b="1" dirty="0" err="1" smtClean="0">
+                <a:solidFill>
+                  <a:srgbClr val="0070C0"/>
+                </a:solidFill>
+              </a:rPr>
+              <a:t>canDeactivate</a:t>
+            </a:r>
+            <a:r>
+              <a:rPr lang="en-US" sz="2000" dirty="0" smtClean="0"/>
+              <a:t>(self,</a:t>
+            </a:r>
+            <a:r>
+              <a:rPr lang="en-US" sz="2000" dirty="0" smtClean="0">
+                <a:solidFill>
+                  <a:srgbClr val="CC0000"/>
+                </a:solidFill>
+              </a:rPr>
+              <a:t> </a:t>
+            </a:r>
+            <a:r>
+              <a:rPr lang="en-US" sz="2000" dirty="0" err="1" smtClean="0">
+                <a:solidFill>
+                  <a:srgbClr val="CC0000"/>
+                </a:solidFill>
+              </a:rPr>
+              <a:t>cli</a:t>
+            </a:r>
+            <a:r>
+              <a:rPr lang="en-US" sz="2000" dirty="0" smtClean="0"/>
+              <a:t>, </a:t>
             </a:r>
             <a:r>
               <a:rPr lang="en-US" sz="2000" dirty="0" err="1" smtClean="0"/>
@@ -9977,186 +10556,6 @@
             </a:r>
             <a:r>
               <a:rPr lang="en-US" sz="2000" dirty="0" smtClean="0"/>
-              <a:t> </a:t>
-            </a:r>
-            <a:r>
-              <a:rPr lang="en-US" sz="2000" b="1" dirty="0" smtClean="0"/>
-              <a:t>and</a:t>
-            </a:r>
-          </a:p>
-          <a:p>
-            <a:r>
-              <a:rPr lang="en-US" sz="2000" dirty="0" smtClean="0"/>
-              <a:t>            </a:t>
-            </a:r>
-            <a:r>
-              <a:rPr lang="en-US" sz="2000" dirty="0" err="1" smtClean="0"/>
-              <a:t>canActivate</a:t>
-            </a:r>
-            <a:r>
-              <a:rPr lang="en-US" sz="2000" dirty="0" smtClean="0"/>
-              <a:t>(</a:t>
-            </a:r>
-            <a:r>
-              <a:rPr lang="en-US" sz="2000" dirty="0" err="1" smtClean="0"/>
-              <a:t>self</a:t>
-            </a:r>
-            <a:r>
-              <a:rPr lang="en-US" sz="2000" b="1" dirty="0" err="1" smtClean="0"/>
-              <a:t>.</a:t>
-            </a:r>
-            <a:r>
-              <a:rPr lang="en-US" sz="2000" dirty="0" err="1" smtClean="0"/>
-              <a:t>ra</a:t>
-            </a:r>
-            <a:r>
-              <a:rPr lang="en-US" sz="2000" dirty="0" smtClean="0"/>
-              <a:t>, </a:t>
-            </a:r>
-            <a:r>
-              <a:rPr lang="en-US" sz="2000" dirty="0" err="1" smtClean="0"/>
-              <a:t>Registration_authority</a:t>
-            </a:r>
-            <a:r>
-              <a:rPr lang="en-US" sz="2000" dirty="0" smtClean="0"/>
-              <a:t>()) </a:t>
-            </a:r>
-            <a:r>
-              <a:rPr lang="en-US" sz="2000" b="1" dirty="0" smtClean="0"/>
-              <a:t>and</a:t>
-            </a:r>
-          </a:p>
-          <a:p>
-            <a:r>
-              <a:rPr lang="en-US" sz="2000" dirty="0" smtClean="0"/>
-              <a:t>            </a:t>
-            </a:r>
-            <a:r>
-              <a:rPr lang="en-US" sz="2000" dirty="0" err="1" smtClean="0"/>
-              <a:t>Current_time</a:t>
-            </a:r>
-            <a:r>
-              <a:rPr lang="en-US" sz="2000" dirty="0" smtClean="0"/>
-              <a:t>() </a:t>
-            </a:r>
-            <a:r>
-              <a:rPr lang="en-US" sz="2000" b="1" dirty="0" smtClean="0"/>
-              <a:t>in</a:t>
-            </a:r>
-            <a:r>
-              <a:rPr lang="en-US" sz="2000" dirty="0" smtClean="0"/>
-              <a:t> </a:t>
-            </a:r>
-            <a:r>
-              <a:rPr lang="en-US" sz="2000" dirty="0" err="1" smtClean="0"/>
-              <a:t>vrange</a:t>
-            </a:r>
-            <a:r>
-              <a:rPr lang="en-US" sz="2000" dirty="0" smtClean="0"/>
-              <a:t>(</a:t>
-            </a:r>
-            <a:r>
-              <a:rPr lang="en-US" sz="2000" dirty="0" err="1" smtClean="0"/>
-              <a:t>role</a:t>
-            </a:r>
-            <a:r>
-              <a:rPr lang="en-US" sz="2000" b="1" dirty="0" err="1" smtClean="0"/>
-              <a:t>.</a:t>
-            </a:r>
-            <a:r>
-              <a:rPr lang="en-US" sz="2000" dirty="0" err="1" smtClean="0"/>
-              <a:t>start</a:t>
-            </a:r>
-            <a:r>
-              <a:rPr lang="en-US" sz="2000" dirty="0" smtClean="0"/>
-              <a:t>, </a:t>
-            </a:r>
-            <a:r>
-              <a:rPr lang="en-US" sz="2000" dirty="0" err="1" smtClean="0"/>
-              <a:t>role</a:t>
-            </a:r>
-            <a:r>
-              <a:rPr lang="en-US" sz="2000" b="1" dirty="0" err="1" smtClean="0"/>
-              <a:t>.</a:t>
-            </a:r>
-            <a:r>
-              <a:rPr lang="en-US" sz="2000" dirty="0" err="1" smtClean="0"/>
-              <a:t>end</a:t>
-            </a:r>
-            <a:r>
-              <a:rPr lang="en-US" sz="2000" dirty="0" smtClean="0"/>
-              <a:t>) </a:t>
-            </a:r>
-            <a:r>
-              <a:rPr lang="en-US" sz="2000" b="1" dirty="0" smtClean="0"/>
-              <a:t>and</a:t>
-            </a:r>
-          </a:p>
-          <a:p>
-            <a:r>
-              <a:rPr lang="en-US" sz="2000" dirty="0" smtClean="0"/>
-              <a:t>            </a:t>
-            </a:r>
-            <a:r>
-              <a:rPr lang="en-US" sz="2000" dirty="0" err="1" smtClean="0"/>
-              <a:t>no_main_role_active</a:t>
-            </a:r>
-            <a:r>
-              <a:rPr lang="en-US" sz="2000" dirty="0" smtClean="0"/>
-              <a:t>(role</a:t>
-            </a:r>
-            <a:r>
-              <a:rPr lang="en-US" sz="2000" b="1" dirty="0" smtClean="0"/>
-              <a:t>.</a:t>
-            </a:r>
-            <a:r>
-              <a:rPr lang="en-US" sz="2000" dirty="0" smtClean="0"/>
-              <a:t>cli)</a:t>
-            </a:r>
-          </a:p>
-          <a:p>
-            <a:r>
-              <a:rPr lang="en-US" sz="2000" dirty="0" smtClean="0"/>
-              <a:t>        }</a:t>
-            </a:r>
-          </a:p>
-          <a:p>
-            <a:r>
-              <a:rPr lang="en-US" sz="2000" dirty="0" smtClean="0"/>
-              <a:t>    …</a:t>
-            </a:r>
-          </a:p>
-          <a:p>
-            <a:r>
-              <a:rPr lang="en-US" sz="2000" b="1" dirty="0" smtClean="0"/>
-              <a:t>    def</a:t>
-            </a:r>
-            <a:r>
-              <a:rPr lang="en-US" sz="2000" dirty="0" smtClean="0"/>
-              <a:t> </a:t>
-            </a:r>
-            <a:r>
-              <a:rPr lang="en-US" sz="2000" b="1" dirty="0" err="1" smtClean="0"/>
-              <a:t>canDeactivate</a:t>
-            </a:r>
-            <a:r>
-              <a:rPr lang="en-US" sz="2000" dirty="0" smtClean="0"/>
-              <a:t>(self, </a:t>
-            </a:r>
-            <a:r>
-              <a:rPr lang="en-US" sz="2000" dirty="0" err="1" smtClean="0"/>
-              <a:t>cli</a:t>
-            </a:r>
-            <a:r>
-              <a:rPr lang="en-US" sz="2000" dirty="0" smtClean="0"/>
-              <a:t>, </a:t>
-            </a:r>
-            <a:r>
-              <a:rPr lang="en-US" sz="2000" dirty="0" err="1" smtClean="0"/>
-              <a:t>cli</a:t>
-            </a:r>
-            <a:r>
-              <a:rPr lang="en-US" sz="2000" dirty="0" smtClean="0"/>
               <a:t>_): </a:t>
             </a:r>
             <a:r>
@@ -10174,7 +10573,11 @@
               <a:t> ( </a:t>
             </a:r>
             <a:r>
-              <a:rPr lang="en-US" sz="2000" dirty="0" err="1" smtClean="0"/>
+              <a:rPr lang="en-US" sz="2000" dirty="0" err="1" smtClean="0">
+                <a:solidFill>
+                  <a:srgbClr val="CC0000"/>
+                </a:solidFill>
+              </a:rPr>
               <a:t>cli</a:t>
             </a:r>
             <a:r>
@@ -10321,7 +10724,15 @@
             </a:pPr>
             <a:r>
               <a:rPr lang="en-US" sz="2000" dirty="0" smtClean="0"/>
-              <a:t>  Collate policy rules involving the same role into a single </a:t>
+              <a:t>  Collate policy rules involving the same role into </a:t>
+            </a:r>
+            <a:r>
+              <a:rPr lang="en-US" sz="2000" dirty="0" smtClean="0"/>
+              <a:t>various </a:t>
+            </a:r>
+            <a:r>
+              <a:rPr lang="en-US" sz="2000" dirty="0" smtClean="0"/>
+              <a:t/>
             </a:r>
             <a:br>
               <a:rPr lang="en-US" sz="2000" dirty="0" smtClean="0"/>
@@ -10336,7 +10747,23 @@
             </a:r>
             <a:r>
               <a:rPr lang="en-US" sz="2000" dirty="0" smtClean="0"/>
-              <a:t> class, on the following basis:</a:t>
+              <a:t> </a:t>
+            </a:r>
+            <a:r>
+              <a:rPr lang="en-US" sz="2000" dirty="0" smtClean="0"/>
+              <a:t>classes, </a:t>
+            </a:r>
+            <a:r>
+              <a:rPr lang="en-US" sz="2000" dirty="0" smtClean="0"/>
+              <a:t>on the following </a:t>
+            </a:r>
+            <a:r>
+              <a:rPr lang="en-US" sz="2000" dirty="0" smtClean="0"/>
+              <a:t>bases</a:t>
+            </a:r>
+            <a:r>
+              <a:rPr lang="en-US" sz="2000" dirty="0" smtClean="0"/>
+              <a:t>:</a:t>
             </a:r>
             <a:br>
               <a:rPr lang="en-US" sz="2000" dirty="0" smtClean="0"/>
@@ -10362,8 +10789,13 @@
             </a:r>
             <a:r>
               <a:rPr lang="en-US" sz="2000" dirty="0" smtClean="0"/>
-              <a:t> rules are placed in the class for the role they check for activation.</a:t>
-            </a:r>
+              <a:t> rules are placed in the class for the role </a:t>
+            </a:r>
+            <a:r>
+              <a:rPr lang="en-US" sz="2000" dirty="0" smtClean="0"/>
+              <a:t>they control/restrict activation for.</a:t>
+            </a:r>
+            <a:endParaRPr lang="en-US" sz="2000" dirty="0" smtClean="0"/>
           </a:p>
           <a:p>
             <a:pPr lvl="1">
@@ -10391,8 +10823,13 @@
             </a:r>
             <a:r>
               <a:rPr lang="en-US" sz="2000" dirty="0" smtClean="0"/>
-              <a:t> rules are placed in the class for the role they check for de-activation.</a:t>
-            </a:r>
+              <a:t> rules are placed in the class for the role they </a:t>
+            </a:r>
+            <a:r>
+              <a:rPr lang="en-US" sz="2000" dirty="0" smtClean="0"/>
+              <a:t>control deactivation for.</a:t>
+            </a:r>
+            <a:endParaRPr lang="en-US" sz="2000" dirty="0" smtClean="0"/>
           </a:p>
           <a:p>
             <a:pPr lvl="1">
@@ -10420,8 +10857,13 @@
             </a:r>
             <a:r>
               <a:rPr lang="en-US" sz="2000" dirty="0" smtClean="0"/>
-              <a:t> rules are placed in the triggering role’s class.</a:t>
-            </a:r>
+              <a:t> rules are placed in the </a:t>
+            </a:r>
+            <a:r>
+              <a:rPr lang="en-US" sz="2000" dirty="0" smtClean="0"/>
+              <a:t>role that triggers the deactivation, i.e. the role in the triggering hypothesis.</a:t>
+            </a:r>
+            <a:endParaRPr lang="en-US" sz="2000" dirty="0" smtClean="0"/>
           </a:p>
           <a:p>
             <a:pPr lvl="1">
@@ -10554,7 +10996,39 @@
             </a:br>
             <a:r>
               <a:rPr lang="en-US" sz="2000" dirty="0" smtClean="0"/>
-              <a:t>   than as trust management (TM) constructs. </a:t>
+              <a:t>   </a:t>
+            </a:r>
+            <a:r>
+              <a:rPr lang="en-US" sz="2000" dirty="0" smtClean="0"/>
+              <a:t>rather than </a:t>
+            </a:r>
+            <a:r>
+              <a:rPr lang="en-US" sz="2000" dirty="0" smtClean="0"/>
+              <a:t>for </a:t>
+            </a:r>
+            <a:r>
+              <a:rPr lang="en-US" sz="2000" dirty="0" smtClean="0"/>
+              <a:t>trust </a:t>
+            </a:r>
+            <a:r>
+              <a:rPr lang="en-US" sz="2000" dirty="0" smtClean="0"/>
+              <a:t>management </a:t>
+            </a:r>
+            <a:r>
+              <a:rPr lang="en-US" sz="2000" dirty="0" smtClean="0"/>
+              <a:t>(TM</a:t>
+            </a:r>
+            <a:r>
+              <a:rPr lang="en-US" sz="2000" dirty="0" smtClean="0"/>
+              <a:t>)</a:t>
+            </a:r>
+            <a:r>
+              <a:rPr lang="en-US" sz="2000" dirty="0" smtClean="0"/>
+              <a:t>.</a:t>
+            </a:r>
+            <a:r>
+              <a:rPr lang="en-US" sz="2000" dirty="0" smtClean="0"/>
+              <a:t/>
             </a:r>
             <a:br>
               <a:rPr lang="en-US" sz="2000" dirty="0" smtClean="0"/>
@@ -10634,23 +11108,35 @@
               <a:t>   generated by the expression is </a:t>
             </a:r>
             <a:r>
+              <a:rPr lang="en-US" sz="2000" i="1" u="sng" dirty="0" smtClean="0"/>
+              <a:t>non-empty</a:t>
+            </a:r>
+            <a:r>
               <a:rPr lang="en-US" sz="2000" i="1" dirty="0" smtClean="0"/>
-              <a:t>non-empty</a:t>
-            </a:r>
-            <a:r>
-              <a:rPr lang="en-US" sz="2000" dirty="0" smtClean="0"/>
-              <a:t> if and only if </a:t>
+              <a:t>,</a:t>
+            </a:r>
+            <a:r>
+              <a:rPr lang="en-US" sz="2000" dirty="0" smtClean="0"/>
+              <a:t> </a:t>
+            </a:r>
+            <a:r>
+              <a:rPr lang="en-US" sz="2000" dirty="0" smtClean="0"/>
+              <a:t>if and only if </a:t>
             </a:r>
             <a:br>
               <a:rPr lang="en-US" sz="2000" dirty="0" smtClean="0"/>
             </a:br>
             <a:r>
               <a:rPr lang="en-US" sz="2000" dirty="0" smtClean="0"/>
-              <a:t>   all hypotheses are satisfied</a:t>
-            </a:r>
-            <a:r>
-              <a:rPr lang="en-US" sz="2000" dirty="0" smtClean="0"/>
-              <a:t>.</a:t>
+              <a:t>   all </a:t>
+            </a:r>
+            <a:r>
+              <a:rPr lang="en-US" sz="2000" dirty="0" smtClean="0"/>
+              <a:t>hypotheses </a:t>
+            </a:r>
+            <a:r>
+              <a:rPr lang="en-US" sz="2000" dirty="0" smtClean="0"/>
+              <a:t>are satisfied.</a:t>
             </a:r>
           </a:p>
           <a:p>
@@ -10669,7 +11155,6 @@
               <a:rPr lang="en-US" sz="2000" dirty="0" smtClean="0"/>
               <a:t> Set expressions allow for incrementalization. [Liu08]</a:t>
             </a:r>
-            <a:endParaRPr lang="en-US" sz="2000" dirty="0" smtClean="0"/>
           </a:p>
           <a:p>
             <a:pPr>
@@ -10693,21 +11178,41 @@
             </a:r>
             <a:r>
               <a:rPr lang="en-US" sz="2000" dirty="0" smtClean="0"/>
-              <a:t> hypotheses are implemented using basic Python </a:t>
+              <a:t> hypotheses are implemented using basic </a:t>
+            </a:r>
+            <a:r>
+              <a:rPr lang="en-US" sz="2000" dirty="0" smtClean="0"/>
+              <a:t/>
             </a:r>
             <a:br>
               <a:rPr lang="en-US" sz="2000" dirty="0" smtClean="0"/>
             </a:br>
             <a:r>
               <a:rPr lang="en-US" sz="2000" dirty="0" smtClean="0"/>
-              <a:t>   operators, or simple Python functions.</a:t>
+              <a:t>   Python operators</a:t>
+            </a:r>
+            <a:r>
+              <a:rPr lang="en-US" sz="2000" dirty="0" smtClean="0"/>
+              <a:t>, or simple </a:t>
+            </a:r>
+            <a:r>
+              <a:rPr lang="en-US" sz="2000" dirty="0" smtClean="0"/>
+              <a:t>Python functions/classes.</a:t>
+            </a:r>
+            <a:r>
+              <a:rPr lang="en-US" sz="2000" dirty="0" smtClean="0"/>
+              <a:t/>
             </a:r>
             <a:br>
               <a:rPr lang="en-US" sz="2000" dirty="0" smtClean="0"/>
             </a:br>
             <a:r>
               <a:rPr lang="en-US" sz="2000" dirty="0" smtClean="0"/>
-              <a:t>   E.g. </a:t>
+              <a:t>   </a:t>
+            </a:r>
+            <a:r>
+              <a:rPr lang="en-US" sz="2000" dirty="0" smtClean="0"/>
+              <a:t>E.g. </a:t>
             </a:r>
             <a:r>
               <a:rPr lang="en-US" sz="2000" dirty="0" err="1" smtClean="0">
@@ -11255,7 +11760,15 @@
                   <a:srgbClr val="F8F8F8"/>
                 </a:solidFill>
               </a:rPr>
-              <a:t>Sample Output Code</a:t>
+              <a:t>Sample </a:t>
+            </a:r>
+            <a:r>
+              <a:rPr lang="en-US" sz="3000" b="1" dirty="0" smtClean="0">
+                <a:solidFill>
+                  <a:srgbClr val="F8F8F8"/>
+                </a:solidFill>
+              </a:rPr>
+              <a:t>Output</a:t>
             </a:r>
             <a:endParaRPr lang="en-US" sz="3000" b="1" dirty="0">
               <a:solidFill>
